--- a/1_SQL/2_PPT/2_Data Types/3_decimal.pptx
+++ b/1_SQL/2_PPT/2_Data Types/3_decimal.pptx
@@ -105,6 +105,11 @@
       </a:defRPr>
     </a:lvl9pPr>
   </p:defaultTextStyle>
+  <p:extLst>
+    <p:ext uri="{EFAFB233-063F-42B5-8137-9DF3F51BA10A}">
+      <p15:sldGuideLst xmlns:p15="http://schemas.microsoft.com/office/powerpoint/2012/main"/>
+    </p:ext>
+  </p:extLst>
 </p:presentation>
 </file>
 
@@ -257,7 +262,7 @@
           <a:p>
             <a:fld id="{10B9B271-35D7-4435-920E-CC983D945D21}" type="datetimeFigureOut">
               <a:rPr lang="en-IN" smtClean="0"/>
-              <a:t>03-11-2022</a:t>
+              <a:t>14-11-2022</a:t>
             </a:fld>
             <a:endParaRPr lang="en-IN"/>
           </a:p>
@@ -457,7 +462,7 @@
           <a:p>
             <a:fld id="{10B9B271-35D7-4435-920E-CC983D945D21}" type="datetimeFigureOut">
               <a:rPr lang="en-IN" smtClean="0"/>
-              <a:t>03-11-2022</a:t>
+              <a:t>14-11-2022</a:t>
             </a:fld>
             <a:endParaRPr lang="en-IN"/>
           </a:p>
@@ -667,7 +672,7 @@
           <a:p>
             <a:fld id="{10B9B271-35D7-4435-920E-CC983D945D21}" type="datetimeFigureOut">
               <a:rPr lang="en-IN" smtClean="0"/>
-              <a:t>03-11-2022</a:t>
+              <a:t>14-11-2022</a:t>
             </a:fld>
             <a:endParaRPr lang="en-IN"/>
           </a:p>
@@ -867,7 +872,7 @@
           <a:p>
             <a:fld id="{10B9B271-35D7-4435-920E-CC983D945D21}" type="datetimeFigureOut">
               <a:rPr lang="en-IN" smtClean="0"/>
-              <a:t>03-11-2022</a:t>
+              <a:t>14-11-2022</a:t>
             </a:fld>
             <a:endParaRPr lang="en-IN"/>
           </a:p>
@@ -1143,7 +1148,7 @@
           <a:p>
             <a:fld id="{10B9B271-35D7-4435-920E-CC983D945D21}" type="datetimeFigureOut">
               <a:rPr lang="en-IN" smtClean="0"/>
-              <a:t>03-11-2022</a:t>
+              <a:t>14-11-2022</a:t>
             </a:fld>
             <a:endParaRPr lang="en-IN"/>
           </a:p>
@@ -1411,7 +1416,7 @@
           <a:p>
             <a:fld id="{10B9B271-35D7-4435-920E-CC983D945D21}" type="datetimeFigureOut">
               <a:rPr lang="en-IN" smtClean="0"/>
-              <a:t>03-11-2022</a:t>
+              <a:t>14-11-2022</a:t>
             </a:fld>
             <a:endParaRPr lang="en-IN"/>
           </a:p>
@@ -1826,7 +1831,7 @@
           <a:p>
             <a:fld id="{10B9B271-35D7-4435-920E-CC983D945D21}" type="datetimeFigureOut">
               <a:rPr lang="en-IN" smtClean="0"/>
-              <a:t>03-11-2022</a:t>
+              <a:t>14-11-2022</a:t>
             </a:fld>
             <a:endParaRPr lang="en-IN"/>
           </a:p>
@@ -1968,7 +1973,7 @@
           <a:p>
             <a:fld id="{10B9B271-35D7-4435-920E-CC983D945D21}" type="datetimeFigureOut">
               <a:rPr lang="en-IN" smtClean="0"/>
-              <a:t>03-11-2022</a:t>
+              <a:t>14-11-2022</a:t>
             </a:fld>
             <a:endParaRPr lang="en-IN"/>
           </a:p>
@@ -2081,7 +2086,7 @@
           <a:p>
             <a:fld id="{10B9B271-35D7-4435-920E-CC983D945D21}" type="datetimeFigureOut">
               <a:rPr lang="en-IN" smtClean="0"/>
-              <a:t>03-11-2022</a:t>
+              <a:t>14-11-2022</a:t>
             </a:fld>
             <a:endParaRPr lang="en-IN"/>
           </a:p>
@@ -2394,7 +2399,7 @@
           <a:p>
             <a:fld id="{10B9B271-35D7-4435-920E-CC983D945D21}" type="datetimeFigureOut">
               <a:rPr lang="en-IN" smtClean="0"/>
-              <a:t>03-11-2022</a:t>
+              <a:t>14-11-2022</a:t>
             </a:fld>
             <a:endParaRPr lang="en-IN"/>
           </a:p>
@@ -2683,7 +2688,7 @@
           <a:p>
             <a:fld id="{10B9B271-35D7-4435-920E-CC983D945D21}" type="datetimeFigureOut">
               <a:rPr lang="en-IN" smtClean="0"/>
-              <a:t>03-11-2022</a:t>
+              <a:t>14-11-2022</a:t>
             </a:fld>
             <a:endParaRPr lang="en-IN"/>
           </a:p>
@@ -2926,7 +2931,7 @@
           <a:p>
             <a:fld id="{10B9B271-35D7-4435-920E-CC983D945D21}" type="datetimeFigureOut">
               <a:rPr lang="en-IN" smtClean="0"/>
-              <a:t>03-11-2022</a:t>
+              <a:t>14-11-2022</a:t>
             </a:fld>
             <a:endParaRPr lang="en-IN"/>
           </a:p>
@@ -3512,6 +3517,212 @@
           <a:chExt cx="0" cy="0"/>
         </a:xfrm>
       </p:grpSpPr>
+      <p:pic>
+        <p:nvPicPr>
+          <p:cNvPr id="3" name="Picture 2">
+            <a:extLst>
+              <a:ext uri="{FF2B5EF4-FFF2-40B4-BE49-F238E27FC236}">
+                <a16:creationId xmlns:a16="http://schemas.microsoft.com/office/drawing/2014/main" id="{69E67983-3CE9-4431-A85A-66A88F390285}"/>
+              </a:ext>
+            </a:extLst>
+          </p:cNvPr>
+          <p:cNvPicPr>
+            <a:picLocks noChangeAspect="1"/>
+          </p:cNvPicPr>
+          <p:nvPr/>
+        </p:nvPicPr>
+        <p:blipFill rotWithShape="1">
+          <a:blip r:embed="rId2"/>
+          <a:srcRect l="2210" t="4774" r="1361" b="2339"/>
+          <a:stretch/>
+        </p:blipFill>
+        <p:spPr>
+          <a:xfrm>
+            <a:off x="166254" y="193963"/>
+            <a:ext cx="2632364" cy="1403928"/>
+          </a:xfrm>
+          <a:prstGeom prst="rect">
+            <a:avLst/>
+          </a:prstGeom>
+          <a:ln>
+            <a:solidFill>
+              <a:schemeClr val="tx1"/>
+            </a:solidFill>
+          </a:ln>
+        </p:spPr>
+      </p:pic>
+      <p:pic>
+        <p:nvPicPr>
+          <p:cNvPr id="5" name="Picture 4">
+            <a:extLst>
+              <a:ext uri="{FF2B5EF4-FFF2-40B4-BE49-F238E27FC236}">
+                <a16:creationId xmlns:a16="http://schemas.microsoft.com/office/drawing/2014/main" id="{DF336FED-25E6-4C5C-88AA-19234970CB31}"/>
+              </a:ext>
+            </a:extLst>
+          </p:cNvPr>
+          <p:cNvPicPr>
+            <a:picLocks noChangeAspect="1"/>
+          </p:cNvPicPr>
+          <p:nvPr/>
+        </p:nvPicPr>
+        <p:blipFill rotWithShape="1">
+          <a:blip r:embed="rId3"/>
+          <a:srcRect t="4311"/>
+          <a:stretch/>
+        </p:blipFill>
+        <p:spPr>
+          <a:xfrm>
+            <a:off x="166254" y="1865745"/>
+            <a:ext cx="4359564" cy="1633756"/>
+          </a:xfrm>
+          <a:prstGeom prst="rect">
+            <a:avLst/>
+          </a:prstGeom>
+          <a:ln>
+            <a:solidFill>
+              <a:schemeClr val="tx1"/>
+            </a:solidFill>
+          </a:ln>
+        </p:spPr>
+      </p:pic>
+      <p:pic>
+        <p:nvPicPr>
+          <p:cNvPr id="7" name="Picture 6">
+            <a:extLst>
+              <a:ext uri="{FF2B5EF4-FFF2-40B4-BE49-F238E27FC236}">
+                <a16:creationId xmlns:a16="http://schemas.microsoft.com/office/drawing/2014/main" id="{944678D7-ED4B-4320-A13A-D0F02BF1F084}"/>
+              </a:ext>
+            </a:extLst>
+          </p:cNvPr>
+          <p:cNvPicPr>
+            <a:picLocks noChangeAspect="1"/>
+          </p:cNvPicPr>
+          <p:nvPr/>
+        </p:nvPicPr>
+        <p:blipFill rotWithShape="1">
+          <a:blip r:embed="rId4"/>
+          <a:srcRect l="1078" t="2806" r="2501" b="2204"/>
+          <a:stretch/>
+        </p:blipFill>
+        <p:spPr>
+          <a:xfrm>
+            <a:off x="4959927" y="323273"/>
+            <a:ext cx="4156364" cy="4378036"/>
+          </a:xfrm>
+          <a:prstGeom prst="rect">
+            <a:avLst/>
+          </a:prstGeom>
+          <a:ln>
+            <a:solidFill>
+              <a:schemeClr val="tx1"/>
+            </a:solidFill>
+          </a:ln>
+        </p:spPr>
+      </p:pic>
+      <p:pic>
+        <p:nvPicPr>
+          <p:cNvPr id="9" name="Picture 8">
+            <a:extLst>
+              <a:ext uri="{FF2B5EF4-FFF2-40B4-BE49-F238E27FC236}">
+                <a16:creationId xmlns:a16="http://schemas.microsoft.com/office/drawing/2014/main" id="{8685F9C3-8B07-4D6D-9FFA-3F2FD316A167}"/>
+              </a:ext>
+            </a:extLst>
+          </p:cNvPr>
+          <p:cNvPicPr>
+            <a:picLocks noChangeAspect="1"/>
+          </p:cNvPicPr>
+          <p:nvPr/>
+        </p:nvPicPr>
+        <p:blipFill>
+          <a:blip r:embed="rId5"/>
+          <a:stretch>
+            <a:fillRect/>
+          </a:stretch>
+        </p:blipFill>
+        <p:spPr>
+          <a:xfrm>
+            <a:off x="166254" y="5257511"/>
+            <a:ext cx="1847273" cy="588986"/>
+          </a:xfrm>
+          <a:prstGeom prst="rect">
+            <a:avLst/>
+          </a:prstGeom>
+          <a:ln>
+            <a:solidFill>
+              <a:schemeClr val="tx1"/>
+            </a:solidFill>
+          </a:ln>
+        </p:spPr>
+      </p:pic>
+      <p:pic>
+        <p:nvPicPr>
+          <p:cNvPr id="11" name="Picture 10">
+            <a:extLst>
+              <a:ext uri="{FF2B5EF4-FFF2-40B4-BE49-F238E27FC236}">
+                <a16:creationId xmlns:a16="http://schemas.microsoft.com/office/drawing/2014/main" id="{C81DCD3E-E7D6-43DC-9697-C43FF142E262}"/>
+              </a:ext>
+            </a:extLst>
+          </p:cNvPr>
+          <p:cNvPicPr>
+            <a:picLocks noChangeAspect="1"/>
+          </p:cNvPicPr>
+          <p:nvPr/>
+        </p:nvPicPr>
+        <p:blipFill>
+          <a:blip r:embed="rId6"/>
+          <a:stretch>
+            <a:fillRect/>
+          </a:stretch>
+        </p:blipFill>
+        <p:spPr>
+          <a:xfrm>
+            <a:off x="2252086" y="5256464"/>
+            <a:ext cx="2589806" cy="588986"/>
+          </a:xfrm>
+          <a:prstGeom prst="rect">
+            <a:avLst/>
+          </a:prstGeom>
+          <a:ln>
+            <a:solidFill>
+              <a:schemeClr val="tx1"/>
+            </a:solidFill>
+          </a:ln>
+        </p:spPr>
+      </p:pic>
+      <p:pic>
+        <p:nvPicPr>
+          <p:cNvPr id="13" name="Picture 12">
+            <a:extLst>
+              <a:ext uri="{FF2B5EF4-FFF2-40B4-BE49-F238E27FC236}">
+                <a16:creationId xmlns:a16="http://schemas.microsoft.com/office/drawing/2014/main" id="{EAF2BF42-BE94-4B1E-B834-36B39BC77CAB}"/>
+              </a:ext>
+            </a:extLst>
+          </p:cNvPr>
+          <p:cNvPicPr>
+            <a:picLocks noChangeAspect="1"/>
+          </p:cNvPicPr>
+          <p:nvPr/>
+        </p:nvPicPr>
+        <p:blipFill rotWithShape="1">
+          <a:blip r:embed="rId7"/>
+          <a:srcRect l="5236" t="9715" r="30417" b="9098"/>
+          <a:stretch/>
+        </p:blipFill>
+        <p:spPr>
+          <a:xfrm>
+            <a:off x="5200073" y="5256464"/>
+            <a:ext cx="1016000" cy="588986"/>
+          </a:xfrm>
+          <a:prstGeom prst="rect">
+            <a:avLst/>
+          </a:prstGeom>
+          <a:ln>
+            <a:solidFill>
+              <a:schemeClr val="tx1"/>
+            </a:solidFill>
+          </a:ln>
+        </p:spPr>
+      </p:pic>
     </p:spTree>
     <p:extLst>
       <p:ext uri="{BB962C8B-B14F-4D97-AF65-F5344CB8AC3E}">
